--- a/2020_fluxsat/figure_5_alternatives.pptx
+++ b/2020_fluxsat/figure_5_alternatives.pptx
@@ -247,7 +247,7 @@
           <a:p>
             <a:fld id="{153B1D05-B90C-47F0-9492-F213BDF00282}" type="datetimeFigureOut">
               <a:rPr lang="en-US" smtClean="0"/>
-              <a:t>5/8/20</a:t>
+              <a:t>5/21/2020</a:t>
             </a:fld>
             <a:endParaRPr lang="en-US"/>
           </a:p>
@@ -417,7 +417,7 @@
           <a:p>
             <a:fld id="{153B1D05-B90C-47F0-9492-F213BDF00282}" type="datetimeFigureOut">
               <a:rPr lang="en-US" smtClean="0"/>
-              <a:t>5/8/20</a:t>
+              <a:t>5/21/2020</a:t>
             </a:fld>
             <a:endParaRPr lang="en-US"/>
           </a:p>
@@ -597,7 +597,7 @@
           <a:p>
             <a:fld id="{153B1D05-B90C-47F0-9492-F213BDF00282}" type="datetimeFigureOut">
               <a:rPr lang="en-US" smtClean="0"/>
-              <a:t>5/8/20</a:t>
+              <a:t>5/21/2020</a:t>
             </a:fld>
             <a:endParaRPr lang="en-US"/>
           </a:p>
@@ -767,7 +767,7 @@
           <a:p>
             <a:fld id="{153B1D05-B90C-47F0-9492-F213BDF00282}" type="datetimeFigureOut">
               <a:rPr lang="en-US" smtClean="0"/>
-              <a:t>5/8/20</a:t>
+              <a:t>5/21/2020</a:t>
             </a:fld>
             <a:endParaRPr lang="en-US"/>
           </a:p>
@@ -1013,7 +1013,7 @@
           <a:p>
             <a:fld id="{153B1D05-B90C-47F0-9492-F213BDF00282}" type="datetimeFigureOut">
               <a:rPr lang="en-US" smtClean="0"/>
-              <a:t>5/8/20</a:t>
+              <a:t>5/21/2020</a:t>
             </a:fld>
             <a:endParaRPr lang="en-US"/>
           </a:p>
@@ -1245,7 +1245,7 @@
           <a:p>
             <a:fld id="{153B1D05-B90C-47F0-9492-F213BDF00282}" type="datetimeFigureOut">
               <a:rPr lang="en-US" smtClean="0"/>
-              <a:t>5/8/20</a:t>
+              <a:t>5/21/2020</a:t>
             </a:fld>
             <a:endParaRPr lang="en-US"/>
           </a:p>
@@ -1612,7 +1612,7 @@
           <a:p>
             <a:fld id="{153B1D05-B90C-47F0-9492-F213BDF00282}" type="datetimeFigureOut">
               <a:rPr lang="en-US" smtClean="0"/>
-              <a:t>5/8/20</a:t>
+              <a:t>5/21/2020</a:t>
             </a:fld>
             <a:endParaRPr lang="en-US"/>
           </a:p>
@@ -1730,7 +1730,7 @@
           <a:p>
             <a:fld id="{153B1D05-B90C-47F0-9492-F213BDF00282}" type="datetimeFigureOut">
               <a:rPr lang="en-US" smtClean="0"/>
-              <a:t>5/8/20</a:t>
+              <a:t>5/21/2020</a:t>
             </a:fld>
             <a:endParaRPr lang="en-US"/>
           </a:p>
@@ -1825,7 +1825,7 @@
           <a:p>
             <a:fld id="{153B1D05-B90C-47F0-9492-F213BDF00282}" type="datetimeFigureOut">
               <a:rPr lang="en-US" smtClean="0"/>
-              <a:t>5/8/20</a:t>
+              <a:t>5/21/2020</a:t>
             </a:fld>
             <a:endParaRPr lang="en-US"/>
           </a:p>
@@ -2102,7 +2102,7 @@
           <a:p>
             <a:fld id="{153B1D05-B90C-47F0-9492-F213BDF00282}" type="datetimeFigureOut">
               <a:rPr lang="en-US" smtClean="0"/>
-              <a:t>5/8/20</a:t>
+              <a:t>5/21/2020</a:t>
             </a:fld>
             <a:endParaRPr lang="en-US"/>
           </a:p>
@@ -2359,7 +2359,7 @@
           <a:p>
             <a:fld id="{153B1D05-B90C-47F0-9492-F213BDF00282}" type="datetimeFigureOut">
               <a:rPr lang="en-US" smtClean="0"/>
-              <a:t>5/8/20</a:t>
+              <a:t>5/21/2020</a:t>
             </a:fld>
             <a:endParaRPr lang="en-US"/>
           </a:p>
@@ -2572,7 +2572,7 @@
           <a:p>
             <a:fld id="{153B1D05-B90C-47F0-9492-F213BDF00282}" type="datetimeFigureOut">
               <a:rPr lang="en-US" smtClean="0"/>
-              <a:t>5/8/20</a:t>
+              <a:t>5/21/2020</a:t>
             </a:fld>
             <a:endParaRPr lang="en-US"/>
           </a:p>
@@ -3414,8 +3414,8 @@
           </a:p>
         </p:txBody>
       </p:sp>
-      <mc:AlternateContent xmlns:mc="http://schemas.openxmlformats.org/markup-compatibility/2006">
-        <mc:Choice xmlns:a14="http://schemas.microsoft.com/office/drawing/2010/main" Requires="a14">
+      <mc:AlternateContent xmlns:mc="http://schemas.openxmlformats.org/markup-compatibility/2006" xmlns:a14="http://schemas.microsoft.com/office/drawing/2010/main">
+        <mc:Choice Requires="a14">
           <p:sp>
             <p:nvSpPr>
               <p:cNvPr id="2" name="TextBox 1"/>
@@ -3566,7 +3566,7 @@
             </p:txBody>
           </p:sp>
         </mc:Choice>
-        <mc:Fallback>
+        <mc:Fallback xmlns="">
           <p:sp>
             <p:nvSpPr>
               <p:cNvPr id="2" name="TextBox 1"/>
@@ -4542,8 +4542,8 @@
           </a:p>
         </p:txBody>
       </p:sp>
-      <mc:AlternateContent xmlns:mc="http://schemas.openxmlformats.org/markup-compatibility/2006">
-        <mc:Choice xmlns:a14="http://schemas.microsoft.com/office/drawing/2010/main" Requires="a14">
+      <mc:AlternateContent xmlns:mc="http://schemas.openxmlformats.org/markup-compatibility/2006" xmlns:a14="http://schemas.microsoft.com/office/drawing/2010/main">
+        <mc:Choice Requires="a14">
           <p:sp>
             <p:nvSpPr>
               <p:cNvPr id="2" name="TextBox 1"/>
@@ -4694,7 +4694,7 @@
             </p:txBody>
           </p:sp>
         </mc:Choice>
-        <mc:Fallback>
+        <mc:Fallback xmlns="">
           <p:sp>
             <p:nvSpPr>
               <p:cNvPr id="2" name="TextBox 1"/>
@@ -5002,64 +5002,6 @@
       </p:sp>
       <p:sp>
         <p:nvSpPr>
-          <p:cNvPr id="29" name="Down Arrow 28"/>
-          <p:cNvSpPr/>
-          <p:nvPr/>
-        </p:nvSpPr>
-        <p:spPr>
-          <a:xfrm>
-            <a:off x="6061028" y="1016000"/>
-            <a:ext cx="167052" cy="468256"/>
-          </a:xfrm>
-          <a:prstGeom prst="downArrow">
-            <a:avLst/>
-          </a:prstGeom>
-          <a:solidFill>
-            <a:schemeClr val="tx1">
-              <a:lumMod val="65000"/>
-              <a:lumOff val="35000"/>
-            </a:schemeClr>
-          </a:solidFill>
-          <a:ln>
-            <a:noFill/>
-          </a:ln>
-        </p:spPr>
-        <p:style>
-          <a:lnRef idx="2">
-            <a:schemeClr val="accent1">
-              <a:shade val="50000"/>
-            </a:schemeClr>
-          </a:lnRef>
-          <a:fillRef idx="1">
-            <a:schemeClr val="accent1"/>
-          </a:fillRef>
-          <a:effectRef idx="0">
-            <a:schemeClr val="accent1"/>
-          </a:effectRef>
-          <a:fontRef idx="minor">
-            <a:schemeClr val="lt1"/>
-          </a:fontRef>
-        </p:style>
-        <p:txBody>
-          <a:bodyPr rot="0" spcFirstLastPara="0" vertOverflow="overflow" horzOverflow="overflow" vert="horz" wrap="square" lIns="91440" tIns="45720" rIns="91440" bIns="45720" numCol="1" spcCol="0" rtlCol="0" fromWordArt="0" anchor="ctr" anchorCtr="0" forceAA="0" compatLnSpc="1">
-            <a:prstTxWarp prst="textNoShape">
-              <a:avLst/>
-            </a:prstTxWarp>
-            <a:noAutofit/>
-          </a:bodyPr>
-          <a:lstStyle/>
-          <a:p>
-            <a:pPr algn="ctr"/>
-            <a:endParaRPr lang="en-US">
-              <a:solidFill>
-                <a:schemeClr val="tx1"/>
-              </a:solidFill>
-            </a:endParaRPr>
-          </a:p>
-        </p:txBody>
-      </p:sp>
-      <p:sp>
-        <p:nvSpPr>
           <p:cNvPr id="33" name="TextBox 32"/>
           <p:cNvSpPr txBox="1"/>
           <p:nvPr/>
@@ -5236,8 +5178,8 @@
           </a:p>
         </p:txBody>
       </p:sp>
-      <mc:AlternateContent xmlns:mc="http://schemas.openxmlformats.org/markup-compatibility/2006">
-        <mc:Choice xmlns:a14="http://schemas.microsoft.com/office/drawing/2010/main" Requires="a14">
+      <mc:AlternateContent xmlns:mc="http://schemas.openxmlformats.org/markup-compatibility/2006" xmlns:a14="http://schemas.microsoft.com/office/drawing/2010/main">
+        <mc:Choice Requires="a14">
           <p:sp>
             <p:nvSpPr>
               <p:cNvPr id="46" name="TextBox 45">
@@ -5287,7 +5229,7 @@
             </p:txBody>
           </p:sp>
         </mc:Choice>
-        <mc:Fallback>
+        <mc:Fallback xmlns="">
           <p:sp>
             <p:nvSpPr>
               <p:cNvPr id="46" name="TextBox 45">
@@ -5332,8 +5274,8 @@
           </p:sp>
         </mc:Fallback>
       </mc:AlternateContent>
-      <mc:AlternateContent xmlns:mc="http://schemas.openxmlformats.org/markup-compatibility/2006">
-        <mc:Choice xmlns:a14="http://schemas.microsoft.com/office/drawing/2010/main" Requires="a14">
+      <mc:AlternateContent xmlns:mc="http://schemas.openxmlformats.org/markup-compatibility/2006" xmlns:a14="http://schemas.microsoft.com/office/drawing/2010/main">
+        <mc:Choice Requires="a14">
           <p:sp>
             <p:nvSpPr>
               <p:cNvPr id="55" name="TextBox 54">
@@ -5383,7 +5325,7 @@
             </p:txBody>
           </p:sp>
         </mc:Choice>
-        <mc:Fallback>
+        <mc:Fallback xmlns="">
           <p:sp>
             <p:nvSpPr>
               <p:cNvPr id="55" name="TextBox 54">
@@ -5428,6 +5370,177 @@
           </p:sp>
         </mc:Fallback>
       </mc:AlternateContent>
+      <p:sp>
+        <p:nvSpPr>
+          <p:cNvPr id="27" name="Down Arrow 26">
+            <a:extLst>
+              <a:ext uri="{FF2B5EF4-FFF2-40B4-BE49-F238E27FC236}">
+                <a16:creationId xmlns:a16="http://schemas.microsoft.com/office/drawing/2014/main" id="{8BE1FC7B-5F9B-DC43-BFA7-E8997494DF9E}"/>
+              </a:ext>
+            </a:extLst>
+          </p:cNvPr>
+          <p:cNvSpPr/>
+          <p:nvPr/>
+        </p:nvSpPr>
+        <p:spPr>
+          <a:xfrm>
+            <a:off x="1755899" y="246983"/>
+            <a:ext cx="199536" cy="213162"/>
+          </a:xfrm>
+          <a:prstGeom prst="downArrow">
+            <a:avLst/>
+          </a:prstGeom>
+          <a:solidFill>
+            <a:schemeClr val="accent1"/>
+          </a:solidFill>
+          <a:ln/>
+        </p:spPr>
+        <p:style>
+          <a:lnRef idx="1">
+            <a:schemeClr val="accent1"/>
+          </a:lnRef>
+          <a:fillRef idx="2">
+            <a:schemeClr val="accent1"/>
+          </a:fillRef>
+          <a:effectRef idx="1">
+            <a:schemeClr val="accent1"/>
+          </a:effectRef>
+          <a:fontRef idx="minor">
+            <a:schemeClr val="dk1"/>
+          </a:fontRef>
+        </p:style>
+        <p:txBody>
+          <a:bodyPr rot="0" spcFirstLastPara="0" vertOverflow="overflow" horzOverflow="overflow" vert="horz" wrap="square" lIns="91440" tIns="45720" rIns="91440" bIns="45720" numCol="1" spcCol="0" rtlCol="0" fromWordArt="0" anchor="ctr" anchorCtr="0" forceAA="0" compatLnSpc="1">
+            <a:prstTxWarp prst="textNoShape">
+              <a:avLst/>
+            </a:prstTxWarp>
+            <a:noAutofit/>
+          </a:bodyPr>
+          <a:lstStyle/>
+          <a:p>
+            <a:pPr algn="ctr"/>
+            <a:endParaRPr lang="en-US">
+              <a:solidFill>
+                <a:schemeClr val="accent1"/>
+              </a:solidFill>
+            </a:endParaRPr>
+          </a:p>
+        </p:txBody>
+      </p:sp>
+      <p:sp>
+        <p:nvSpPr>
+          <p:cNvPr id="34" name="Down Arrow 33">
+            <a:extLst>
+              <a:ext uri="{FF2B5EF4-FFF2-40B4-BE49-F238E27FC236}">
+                <a16:creationId xmlns:a16="http://schemas.microsoft.com/office/drawing/2014/main" id="{8BE1FC7B-5F9B-DC43-BFA7-E8997494DF9E}"/>
+              </a:ext>
+            </a:extLst>
+          </p:cNvPr>
+          <p:cNvSpPr/>
+          <p:nvPr/>
+        </p:nvSpPr>
+        <p:spPr>
+          <a:xfrm>
+            <a:off x="3627574" y="257818"/>
+            <a:ext cx="199536" cy="202327"/>
+          </a:xfrm>
+          <a:prstGeom prst="downArrow">
+            <a:avLst/>
+          </a:prstGeom>
+          <a:solidFill>
+            <a:schemeClr val="accent1"/>
+          </a:solidFill>
+          <a:ln/>
+        </p:spPr>
+        <p:style>
+          <a:lnRef idx="1">
+            <a:schemeClr val="accent1"/>
+          </a:lnRef>
+          <a:fillRef idx="2">
+            <a:schemeClr val="accent1"/>
+          </a:fillRef>
+          <a:effectRef idx="1">
+            <a:schemeClr val="accent1"/>
+          </a:effectRef>
+          <a:fontRef idx="minor">
+            <a:schemeClr val="dk1"/>
+          </a:fontRef>
+        </p:style>
+        <p:txBody>
+          <a:bodyPr rot="0" spcFirstLastPara="0" vertOverflow="overflow" horzOverflow="overflow" vert="horz" wrap="square" lIns="91440" tIns="45720" rIns="91440" bIns="45720" numCol="1" spcCol="0" rtlCol="0" fromWordArt="0" anchor="ctr" anchorCtr="0" forceAA="0" compatLnSpc="1">
+            <a:prstTxWarp prst="textNoShape">
+              <a:avLst/>
+            </a:prstTxWarp>
+            <a:noAutofit/>
+          </a:bodyPr>
+          <a:lstStyle/>
+          <a:p>
+            <a:pPr algn="ctr"/>
+            <a:endParaRPr lang="en-US">
+              <a:solidFill>
+                <a:schemeClr val="accent1"/>
+              </a:solidFill>
+            </a:endParaRPr>
+          </a:p>
+        </p:txBody>
+      </p:sp>
+      <p:sp>
+        <p:nvSpPr>
+          <p:cNvPr id="35" name="Down Arrow 34">
+            <a:extLst>
+              <a:ext uri="{FF2B5EF4-FFF2-40B4-BE49-F238E27FC236}">
+                <a16:creationId xmlns:a16="http://schemas.microsoft.com/office/drawing/2014/main" id="{8BE1FC7B-5F9B-DC43-BFA7-E8997494DF9E}"/>
+              </a:ext>
+            </a:extLst>
+          </p:cNvPr>
+          <p:cNvSpPr/>
+          <p:nvPr/>
+        </p:nvSpPr>
+        <p:spPr>
+          <a:xfrm>
+            <a:off x="6048629" y="919686"/>
+            <a:ext cx="199536" cy="684031"/>
+          </a:xfrm>
+          <a:prstGeom prst="downArrow">
+            <a:avLst/>
+          </a:prstGeom>
+          <a:solidFill>
+            <a:schemeClr val="accent1"/>
+          </a:solidFill>
+          <a:ln/>
+        </p:spPr>
+        <p:style>
+          <a:lnRef idx="1">
+            <a:schemeClr val="accent1"/>
+          </a:lnRef>
+          <a:fillRef idx="2">
+            <a:schemeClr val="accent1"/>
+          </a:fillRef>
+          <a:effectRef idx="1">
+            <a:schemeClr val="accent1"/>
+          </a:effectRef>
+          <a:fontRef idx="minor">
+            <a:schemeClr val="dk1"/>
+          </a:fontRef>
+        </p:style>
+        <p:txBody>
+          <a:bodyPr rot="0" spcFirstLastPara="0" vertOverflow="overflow" horzOverflow="overflow" vert="horz" wrap="square" lIns="91440" tIns="45720" rIns="91440" bIns="45720" numCol="1" spcCol="0" rtlCol="0" fromWordArt="0" anchor="ctr" anchorCtr="0" forceAA="0" compatLnSpc="1">
+            <a:prstTxWarp prst="textNoShape">
+              <a:avLst/>
+            </a:prstTxWarp>
+            <a:noAutofit/>
+          </a:bodyPr>
+          <a:lstStyle/>
+          <a:p>
+            <a:pPr algn="ctr"/>
+            <a:endParaRPr lang="en-US">
+              <a:solidFill>
+                <a:schemeClr val="accent1"/>
+              </a:solidFill>
+            </a:endParaRPr>
+          </a:p>
+        </p:txBody>
+      </p:sp>
     </p:spTree>
     <p:extLst>
       <p:ext uri="{BB962C8B-B14F-4D97-AF65-F5344CB8AC3E}">

--- a/2020_fluxsat/figure_5_alternatives.pptx
+++ b/2020_fluxsat/figure_5_alternatives.pptx
@@ -247,7 +247,7 @@
           <a:p>
             <a:fld id="{153B1D05-B90C-47F0-9492-F213BDF00282}" type="datetimeFigureOut">
               <a:rPr lang="en-US" smtClean="0"/>
-              <a:t>5/21/2020</a:t>
+              <a:t>5/22/2020</a:t>
             </a:fld>
             <a:endParaRPr lang="en-US"/>
           </a:p>
@@ -417,7 +417,7 @@
           <a:p>
             <a:fld id="{153B1D05-B90C-47F0-9492-F213BDF00282}" type="datetimeFigureOut">
               <a:rPr lang="en-US" smtClean="0"/>
-              <a:t>5/21/2020</a:t>
+              <a:t>5/22/2020</a:t>
             </a:fld>
             <a:endParaRPr lang="en-US"/>
           </a:p>
@@ -597,7 +597,7 @@
           <a:p>
             <a:fld id="{153B1D05-B90C-47F0-9492-F213BDF00282}" type="datetimeFigureOut">
               <a:rPr lang="en-US" smtClean="0"/>
-              <a:t>5/21/2020</a:t>
+              <a:t>5/22/2020</a:t>
             </a:fld>
             <a:endParaRPr lang="en-US"/>
           </a:p>
@@ -767,7 +767,7 @@
           <a:p>
             <a:fld id="{153B1D05-B90C-47F0-9492-F213BDF00282}" type="datetimeFigureOut">
               <a:rPr lang="en-US" smtClean="0"/>
-              <a:t>5/21/2020</a:t>
+              <a:t>5/22/2020</a:t>
             </a:fld>
             <a:endParaRPr lang="en-US"/>
           </a:p>
@@ -1013,7 +1013,7 @@
           <a:p>
             <a:fld id="{153B1D05-B90C-47F0-9492-F213BDF00282}" type="datetimeFigureOut">
               <a:rPr lang="en-US" smtClean="0"/>
-              <a:t>5/21/2020</a:t>
+              <a:t>5/22/2020</a:t>
             </a:fld>
             <a:endParaRPr lang="en-US"/>
           </a:p>
@@ -1245,7 +1245,7 @@
           <a:p>
             <a:fld id="{153B1D05-B90C-47F0-9492-F213BDF00282}" type="datetimeFigureOut">
               <a:rPr lang="en-US" smtClean="0"/>
-              <a:t>5/21/2020</a:t>
+              <a:t>5/22/2020</a:t>
             </a:fld>
             <a:endParaRPr lang="en-US"/>
           </a:p>
@@ -1612,7 +1612,7 @@
           <a:p>
             <a:fld id="{153B1D05-B90C-47F0-9492-F213BDF00282}" type="datetimeFigureOut">
               <a:rPr lang="en-US" smtClean="0"/>
-              <a:t>5/21/2020</a:t>
+              <a:t>5/22/2020</a:t>
             </a:fld>
             <a:endParaRPr lang="en-US"/>
           </a:p>
@@ -1730,7 +1730,7 @@
           <a:p>
             <a:fld id="{153B1D05-B90C-47F0-9492-F213BDF00282}" type="datetimeFigureOut">
               <a:rPr lang="en-US" smtClean="0"/>
-              <a:t>5/21/2020</a:t>
+              <a:t>5/22/2020</a:t>
             </a:fld>
             <a:endParaRPr lang="en-US"/>
           </a:p>
@@ -1825,7 +1825,7 @@
           <a:p>
             <a:fld id="{153B1D05-B90C-47F0-9492-F213BDF00282}" type="datetimeFigureOut">
               <a:rPr lang="en-US" smtClean="0"/>
-              <a:t>5/21/2020</a:t>
+              <a:t>5/22/2020</a:t>
             </a:fld>
             <a:endParaRPr lang="en-US"/>
           </a:p>
@@ -2102,7 +2102,7 @@
           <a:p>
             <a:fld id="{153B1D05-B90C-47F0-9492-F213BDF00282}" type="datetimeFigureOut">
               <a:rPr lang="en-US" smtClean="0"/>
-              <a:t>5/21/2020</a:t>
+              <a:t>5/22/2020</a:t>
             </a:fld>
             <a:endParaRPr lang="en-US"/>
           </a:p>
@@ -2359,7 +2359,7 @@
           <a:p>
             <a:fld id="{153B1D05-B90C-47F0-9492-F213BDF00282}" type="datetimeFigureOut">
               <a:rPr lang="en-US" smtClean="0"/>
-              <a:t>5/21/2020</a:t>
+              <a:t>5/22/2020</a:t>
             </a:fld>
             <a:endParaRPr lang="en-US"/>
           </a:p>
@@ -2572,7 +2572,7 @@
           <a:p>
             <a:fld id="{153B1D05-B90C-47F0-9492-F213BDF00282}" type="datetimeFigureOut">
               <a:rPr lang="en-US" smtClean="0"/>
-              <a:t>5/21/2020</a:t>
+              <a:t>5/22/2020</a:t>
             </a:fld>
             <a:endParaRPr lang="en-US"/>
           </a:p>
@@ -3282,8 +3282,8 @@
         </p:nvSpPr>
         <p:spPr>
           <a:xfrm>
-            <a:off x="1181188" y="6725"/>
-            <a:ext cx="1434447" cy="240258"/>
+            <a:off x="1172308" y="6725"/>
+            <a:ext cx="1401126" cy="240258"/>
           </a:xfrm>
           <a:prstGeom prst="roundRect">
             <a:avLst/>
@@ -3355,8 +3355,8 @@
         </p:nvSpPr>
         <p:spPr>
           <a:xfrm>
-            <a:off x="2788910" y="6724"/>
-            <a:ext cx="2052028" cy="251183"/>
+            <a:off x="2868627" y="6724"/>
+            <a:ext cx="2024794" cy="251183"/>
           </a:xfrm>
           <a:prstGeom prst="roundRect">
             <a:avLst/>
@@ -3424,8 +3424,8 @@
             </p:nvSpPr>
             <p:spPr>
               <a:xfrm>
-                <a:off x="176199" y="36269"/>
-                <a:ext cx="4664739" cy="184666"/>
+                <a:off x="194955" y="36269"/>
+                <a:ext cx="4698466" cy="184666"/>
               </a:xfrm>
               <a:prstGeom prst="rect">
                 <a:avLst/>
@@ -3464,10 +3464,22 @@
                         <m:t>𝑒𝑟𝑟𝑜𝑟</m:t>
                       </m:r>
                       <m:r>
-                        <a:rPr lang="en-US" sz="1200" i="1" dirty="0" smtClean="0">
+                        <a:rPr lang="en-US" sz="1200" b="0" i="1" dirty="0" smtClean="0">
                           <a:latin typeface="Cambria Math" panose="02040503050406030204" pitchFamily="18" charset="0"/>
                         </a:rPr>
-                        <m:t>=</m:t>
+                        <m:t> </m:t>
+                      </m:r>
+                      <m:r>
+                        <a:rPr lang="en-US" sz="1200" b="0" i="1" dirty="0" smtClean="0">
+                          <a:latin typeface="Cambria Math" panose="02040503050406030204" pitchFamily="18" charset="0"/>
+                        </a:rPr>
+                        <m:t>𝑖𝑠</m:t>
+                      </m:r>
+                      <m:r>
+                        <a:rPr lang="en-US" sz="1200" b="0" i="1" dirty="0" smtClean="0">
+                          <a:latin typeface="Cambria Math" panose="02040503050406030204" pitchFamily="18" charset="0"/>
+                        </a:rPr>
+                        <m:t> </m:t>
                       </m:r>
                       <m:r>
                         <a:rPr lang="en-US" sz="1200" i="1" dirty="0" smtClean="0">
@@ -3494,10 +3506,10 @@
                         <m:t> </m:t>
                       </m:r>
                       <m:r>
-                        <a:rPr lang="en-US" sz="1200" i="1" dirty="0" smtClean="0">
+                        <a:rPr lang="en-US" sz="1200" b="0" i="1" dirty="0" smtClean="0">
                           <a:latin typeface="Cambria Math" panose="02040503050406030204" pitchFamily="18" charset="0"/>
                         </a:rPr>
-                        <m:t>+</m:t>
+                        <m:t>𝑎𝑛𝑑</m:t>
                       </m:r>
                       <m:r>
                         <a:rPr lang="en-US" sz="1200" b="0" i="1" dirty="0" smtClean="0">
@@ -3577,8 +3589,8 @@
             </p:nvSpPr>
             <p:spPr>
               <a:xfrm>
-                <a:off x="176199" y="36269"/>
-                <a:ext cx="4664739" cy="184666"/>
+                <a:off x="194955" y="36269"/>
+                <a:ext cx="4698466" cy="184666"/>
               </a:xfrm>
               <a:prstGeom prst="rect">
                 <a:avLst/>
@@ -3586,7 +3598,7 @@
               <a:blipFill>
                 <a:blip r:embed="rId2"/>
                 <a:stretch>
-                  <a:fillRect l="-272" t="-6667" b="-33333"/>
+                  <a:fillRect l="-778" t="-3333" b="-33333"/>
                 </a:stretch>
               </a:blipFill>
             </p:spPr>
@@ -4064,7 +4076,7 @@
         </p:nvSpPr>
         <p:spPr>
           <a:xfrm>
-            <a:off x="3927143" y="269951"/>
+            <a:off x="3927143" y="260573"/>
             <a:ext cx="199536" cy="251183"/>
           </a:xfrm>
           <a:prstGeom prst="downArrow">
@@ -4121,7 +4133,7 @@
         </p:nvSpPr>
         <p:spPr>
           <a:xfrm>
-            <a:off x="1772634" y="266882"/>
+            <a:off x="1772634" y="252815"/>
             <a:ext cx="199536" cy="251183"/>
           </a:xfrm>
           <a:prstGeom prst="downArrow">
@@ -4324,7 +4336,7 @@
         </p:nvSpPr>
         <p:spPr>
           <a:xfrm>
-            <a:off x="2804572" y="1431445"/>
+            <a:off x="2692036" y="1431445"/>
             <a:ext cx="3077597" cy="477340"/>
           </a:xfrm>
           <a:prstGeom prst="roundRect">
@@ -4382,7 +4394,7 @@
         </p:nvSpPr>
         <p:spPr>
           <a:xfrm>
-            <a:off x="2788909" y="356876"/>
+            <a:off x="2681062" y="356876"/>
             <a:ext cx="3093591" cy="977113"/>
           </a:xfrm>
           <a:prstGeom prst="roundRect">
@@ -4440,8 +4452,8 @@
         </p:nvSpPr>
         <p:spPr>
           <a:xfrm>
-            <a:off x="1181188" y="6725"/>
-            <a:ext cx="1434447" cy="240258"/>
+            <a:off x="960800" y="36269"/>
+            <a:ext cx="1458843" cy="184666"/>
           </a:xfrm>
           <a:prstGeom prst="roundRect">
             <a:avLst/>
@@ -4498,8 +4510,8 @@
         </p:nvSpPr>
         <p:spPr>
           <a:xfrm>
-            <a:off x="2788910" y="6724"/>
-            <a:ext cx="2052028" cy="251183"/>
+            <a:off x="3186030" y="36269"/>
+            <a:ext cx="2089357" cy="204962"/>
           </a:xfrm>
           <a:prstGeom prst="roundRect">
             <a:avLst/>
@@ -4542,8 +4554,8 @@
           </a:p>
         </p:txBody>
       </p:sp>
-      <mc:AlternateContent xmlns:mc="http://schemas.openxmlformats.org/markup-compatibility/2006" xmlns:a14="http://schemas.microsoft.com/office/drawing/2010/main">
-        <mc:Choice Requires="a14">
+      <mc:AlternateContent xmlns:mc="http://schemas.openxmlformats.org/markup-compatibility/2006">
+        <mc:Choice xmlns:a14="http://schemas.microsoft.com/office/drawing/2010/main" Requires="a14">
           <p:sp>
             <p:nvSpPr>
               <p:cNvPr id="2" name="TextBox 1"/>
@@ -4552,8 +4564,8 @@
             </p:nvSpPr>
             <p:spPr>
               <a:xfrm>
-                <a:off x="176199" y="36269"/>
-                <a:ext cx="4664739" cy="184666"/>
+                <a:off x="82443" y="27102"/>
+                <a:ext cx="5141363" cy="184666"/>
               </a:xfrm>
               <a:prstGeom prst="rect">
                 <a:avLst/>
@@ -4561,7 +4573,7 @@
               <a:noFill/>
             </p:spPr>
             <p:txBody>
-              <a:bodyPr wrap="none" lIns="0" tIns="0" rIns="0" bIns="0" rtlCol="0">
+              <a:bodyPr wrap="square" lIns="0" tIns="0" rIns="0" bIns="0" rtlCol="0">
                 <a:spAutoFit/>
               </a:bodyPr>
               <a:lstStyle/>
@@ -4592,10 +4604,10 @@
                         <m:t>𝑒𝑟𝑟𝑜𝑟</m:t>
                       </m:r>
                       <m:r>
-                        <a:rPr lang="en-US" sz="1200" i="1" dirty="0" smtClean="0">
+                        <a:rPr lang="en-US" sz="1200" b="0" i="1" dirty="0" smtClean="0">
                           <a:latin typeface="Cambria Math" panose="02040503050406030204" pitchFamily="18" charset="0"/>
                         </a:rPr>
-                        <m:t>=</m:t>
+                        <m:t>: </m:t>
                       </m:r>
                       <m:r>
                         <a:rPr lang="en-US" sz="1200" i="1" dirty="0" smtClean="0">
@@ -4619,19 +4631,31 @@
                         <a:rPr lang="en-US" sz="1200" b="0" i="1" dirty="0" smtClean="0">
                           <a:latin typeface="Cambria Math" panose="02040503050406030204" pitchFamily="18" charset="0"/>
                         </a:rPr>
-                        <m:t> </m:t>
+                        <m:t>𝑠</m:t>
                       </m:r>
                       <m:r>
-                        <a:rPr lang="en-US" sz="1200" i="1" dirty="0" err="1" smtClean="0">
+                        <a:rPr lang="en-US" sz="1200" b="0" i="1" dirty="0" smtClean="0">
                           <a:latin typeface="Cambria Math" panose="02040503050406030204" pitchFamily="18" charset="0"/>
                         </a:rPr>
-                        <m:t>+</m:t>
+                        <m:t>      </m:t>
                       </m:r>
                       <m:r>
                         <a:rPr lang="en-US" sz="1200" b="0" i="1" dirty="0" smtClean="0">
                           <a:latin typeface="Cambria Math" panose="02040503050406030204" pitchFamily="18" charset="0"/>
                         </a:rPr>
                         <m:t> </m:t>
+                      </m:r>
+                      <m:r>
+                        <a:rPr lang="en-US" sz="1200" b="0" i="1" dirty="0" smtClean="0">
+                          <a:latin typeface="Cambria Math" panose="02040503050406030204" pitchFamily="18" charset="0"/>
+                        </a:rPr>
+                        <m:t>𝑎𝑛𝑑</m:t>
+                      </m:r>
+                      <m:r>
+                        <a:rPr lang="en-US" sz="1200" b="0" i="1" dirty="0" smtClean="0">
+                          <a:latin typeface="Cambria Math" panose="02040503050406030204" pitchFamily="18" charset="0"/>
+                        </a:rPr>
+                        <m:t>         </m:t>
                       </m:r>
                       <m:r>
                         <a:rPr lang="en-US" sz="1200" i="1" dirty="0" err="1" smtClean="0">
@@ -4649,7 +4673,7 @@
                         <a:rPr lang="en-US" sz="1200" i="1" dirty="0" smtClean="0">
                           <a:latin typeface="Cambria Math" panose="02040503050406030204" pitchFamily="18" charset="0"/>
                         </a:rPr>
-                        <m:t>𝑒𝑟𝑟𝑜𝑟</m:t>
+                        <m:t>𝑒𝑟𝑟𝑜𝑟𝑠</m:t>
                       </m:r>
                       <m:r>
                         <a:rPr lang="en-US" sz="1200" i="1" dirty="0" smtClean="0">
@@ -4694,7 +4718,7 @@
             </p:txBody>
           </p:sp>
         </mc:Choice>
-        <mc:Fallback xmlns="">
+        <mc:Fallback>
           <p:sp>
             <p:nvSpPr>
               <p:cNvPr id="2" name="TextBox 1"/>
@@ -4705,8 +4729,8 @@
             </p:nvSpPr>
             <p:spPr>
               <a:xfrm>
-                <a:off x="176199" y="36269"/>
-                <a:ext cx="4664739" cy="184666"/>
+                <a:off x="82443" y="27102"/>
+                <a:ext cx="5141363" cy="184666"/>
               </a:xfrm>
               <a:prstGeom prst="rect">
                 <a:avLst/>
@@ -4714,7 +4738,7 @@
               <a:blipFill>
                 <a:blip r:embed="rId2"/>
                 <a:stretch>
-                  <a:fillRect l="-272" t="-6667" b="-33333"/>
+                  <a:fillRect l="-1186" t="-3226" r="-474" b="-29032"/>
                 </a:stretch>
               </a:blipFill>
             </p:spPr>
@@ -4741,7 +4765,7 @@
         </p:nvSpPr>
         <p:spPr>
           <a:xfrm>
-            <a:off x="2842699" y="1532728"/>
+            <a:off x="2730163" y="1532728"/>
             <a:ext cx="2925969" cy="276999"/>
           </a:xfrm>
           <a:prstGeom prst="rect">
@@ -4770,7 +4794,7 @@
         </p:nvSpPr>
         <p:spPr>
           <a:xfrm>
-            <a:off x="2842699" y="416458"/>
+            <a:off x="2730163" y="416458"/>
             <a:ext cx="1569751" cy="830997"/>
           </a:xfrm>
           <a:prstGeom prst="rect">
@@ -4799,7 +4823,7 @@
         </p:nvSpPr>
         <p:spPr>
           <a:xfrm>
-            <a:off x="4499747" y="569684"/>
+            <a:off x="4387211" y="569684"/>
             <a:ext cx="1492706" cy="276999"/>
           </a:xfrm>
           <a:prstGeom prst="rect">
@@ -4828,7 +4852,7 @@
         </p:nvSpPr>
         <p:spPr>
           <a:xfrm>
-            <a:off x="4499747" y="1042333"/>
+            <a:off x="4387211" y="1042333"/>
             <a:ext cx="1524001" cy="276999"/>
           </a:xfrm>
           <a:prstGeom prst="rect">
@@ -4857,7 +4881,7 @@
         </p:nvSpPr>
         <p:spPr>
           <a:xfrm>
-            <a:off x="4506722" y="340289"/>
+            <a:off x="4394186" y="340289"/>
             <a:ext cx="1415162" cy="276999"/>
           </a:xfrm>
           <a:prstGeom prst="rect">
@@ -4886,7 +4910,7 @@
         </p:nvSpPr>
         <p:spPr>
           <a:xfrm>
-            <a:off x="4506722" y="810293"/>
+            <a:off x="4394186" y="810293"/>
             <a:ext cx="1089617" cy="276999"/>
           </a:xfrm>
           <a:prstGeom prst="rect">
@@ -5008,7 +5032,7 @@
         </p:nvSpPr>
         <p:spPr>
           <a:xfrm>
-            <a:off x="5896201" y="699670"/>
+            <a:off x="5783665" y="699670"/>
             <a:ext cx="543173" cy="276999"/>
           </a:xfrm>
           <a:prstGeom prst="rect">
@@ -5041,7 +5065,7 @@
         </p:nvSpPr>
         <p:spPr>
           <a:xfrm>
-            <a:off x="5833447" y="1532728"/>
+            <a:off x="5720911" y="1532728"/>
             <a:ext cx="648041" cy="276999"/>
           </a:xfrm>
           <a:prstGeom prst="rect">
@@ -5079,8 +5103,8 @@
         </p:nvSpPr>
         <p:spPr>
           <a:xfrm rot="16200000">
-            <a:off x="51327" y="665752"/>
-            <a:ext cx="1047392" cy="276999"/>
+            <a:off x="188968" y="599532"/>
+            <a:ext cx="676142" cy="461665"/>
           </a:xfrm>
           <a:prstGeom prst="rect">
             <a:avLst/>
@@ -5108,7 +5132,7 @@
         </p:nvSpPr>
         <p:spPr>
           <a:xfrm rot="16200000">
-            <a:off x="149132" y="1523280"/>
+            <a:off x="106931" y="1509213"/>
             <a:ext cx="851969" cy="276999"/>
           </a:xfrm>
           <a:prstGeom prst="rect">
@@ -5143,7 +5167,7 @@
         </p:nvSpPr>
         <p:spPr>
           <a:xfrm>
-            <a:off x="4363902" y="412482"/>
+            <a:off x="4251366" y="412482"/>
             <a:ext cx="199536" cy="835766"/>
           </a:xfrm>
           <a:prstGeom prst="leftBrace">
@@ -5178,198 +5202,6 @@
           </a:p>
         </p:txBody>
       </p:sp>
-      <mc:AlternateContent xmlns:mc="http://schemas.openxmlformats.org/markup-compatibility/2006" xmlns:a14="http://schemas.microsoft.com/office/drawing/2010/main">
-        <mc:Choice Requires="a14">
-          <p:sp>
-            <p:nvSpPr>
-              <p:cNvPr id="46" name="TextBox 45">
-                <a:extLst>
-                  <a:ext uri="{FF2B5EF4-FFF2-40B4-BE49-F238E27FC236}">
-                    <a16:creationId xmlns:a16="http://schemas.microsoft.com/office/drawing/2014/main" id="{843FC496-FD74-2D44-91D5-15AB26625880}"/>
-                  </a:ext>
-                </a:extLst>
-              </p:cNvPr>
-              <p:cNvSpPr txBox="1"/>
-              <p:nvPr/>
-            </p:nvSpPr>
-            <p:spPr>
-              <a:xfrm>
-                <a:off x="2636744" y="738032"/>
-                <a:ext cx="150682" cy="184666"/>
-              </a:xfrm>
-              <a:prstGeom prst="rect">
-                <a:avLst/>
-              </a:prstGeom>
-              <a:noFill/>
-            </p:spPr>
-            <p:txBody>
-              <a:bodyPr wrap="none" lIns="0" tIns="0" rIns="0" bIns="0" rtlCol="0">
-                <a:spAutoFit/>
-              </a:bodyPr>
-              <a:lstStyle/>
-              <a:p>
-                <a:pPr/>
-                <a14:m>
-                  <m:oMathPara xmlns:m="http://schemas.openxmlformats.org/officeDocument/2006/math">
-                    <m:oMathParaPr>
-                      <m:jc m:val="centerGroup"/>
-                    </m:oMathParaPr>
-                    <m:oMath xmlns:m="http://schemas.openxmlformats.org/officeDocument/2006/math">
-                      <m:r>
-                        <a:rPr lang="en-US" sz="1200" i="1" dirty="0" err="1" smtClean="0">
-                          <a:latin typeface="Cambria Math" panose="02040503050406030204" pitchFamily="18" charset="0"/>
-                        </a:rPr>
-                        <m:t>+</m:t>
-                      </m:r>
-                    </m:oMath>
-                  </m:oMathPara>
-                </a14:m>
-                <a:endParaRPr lang="en-US" sz="1200" dirty="0"/>
-              </a:p>
-            </p:txBody>
-          </p:sp>
-        </mc:Choice>
-        <mc:Fallback xmlns="">
-          <p:sp>
-            <p:nvSpPr>
-              <p:cNvPr id="46" name="TextBox 45">
-                <a:extLst>
-                  <a:ext uri="{FF2B5EF4-FFF2-40B4-BE49-F238E27FC236}">
-                    <a16:creationId xmlns:a16="http://schemas.microsoft.com/office/drawing/2014/main" id="{843FC496-FD74-2D44-91D5-15AB26625880}"/>
-                  </a:ext>
-                </a:extLst>
-              </p:cNvPr>
-              <p:cNvSpPr txBox="1">
-                <a:spLocks noRot="1" noChangeAspect="1" noMove="1" noResize="1" noEditPoints="1" noAdjustHandles="1" noChangeArrowheads="1" noChangeShapeType="1" noTextEdit="1"/>
-              </p:cNvSpPr>
-              <p:nvPr/>
-            </p:nvSpPr>
-            <p:spPr>
-              <a:xfrm>
-                <a:off x="2636744" y="738032"/>
-                <a:ext cx="150682" cy="184666"/>
-              </a:xfrm>
-              <a:prstGeom prst="rect">
-                <a:avLst/>
-              </a:prstGeom>
-              <a:blipFill>
-                <a:blip r:embed="rId3"/>
-                <a:stretch>
-                  <a:fillRect l="-16667" r="-16667"/>
-                </a:stretch>
-              </a:blipFill>
-            </p:spPr>
-            <p:txBody>
-              <a:bodyPr/>
-              <a:lstStyle/>
-              <a:p>
-                <a:r>
-                  <a:rPr lang="en-US">
-                    <a:noFill/>
-                  </a:rPr>
-                  <a:t> </a:t>
-                </a:r>
-              </a:p>
-            </p:txBody>
-          </p:sp>
-        </mc:Fallback>
-      </mc:AlternateContent>
-      <mc:AlternateContent xmlns:mc="http://schemas.openxmlformats.org/markup-compatibility/2006" xmlns:a14="http://schemas.microsoft.com/office/drawing/2010/main">
-        <mc:Choice Requires="a14">
-          <p:sp>
-            <p:nvSpPr>
-              <p:cNvPr id="55" name="TextBox 54">
-                <a:extLst>
-                  <a:ext uri="{FF2B5EF4-FFF2-40B4-BE49-F238E27FC236}">
-                    <a16:creationId xmlns:a16="http://schemas.microsoft.com/office/drawing/2014/main" id="{77731835-F1D5-DF4A-B219-4603B3F2A782}"/>
-                  </a:ext>
-                </a:extLst>
-              </p:cNvPr>
-              <p:cNvSpPr txBox="1"/>
-              <p:nvPr/>
-            </p:nvSpPr>
-            <p:spPr>
-              <a:xfrm>
-                <a:off x="2646297" y="1549084"/>
-                <a:ext cx="150682" cy="184666"/>
-              </a:xfrm>
-              <a:prstGeom prst="rect">
-                <a:avLst/>
-              </a:prstGeom>
-              <a:noFill/>
-            </p:spPr>
-            <p:txBody>
-              <a:bodyPr wrap="none" lIns="0" tIns="0" rIns="0" bIns="0" rtlCol="0">
-                <a:spAutoFit/>
-              </a:bodyPr>
-              <a:lstStyle/>
-              <a:p>
-                <a:pPr/>
-                <a14:m>
-                  <m:oMathPara xmlns:m="http://schemas.openxmlformats.org/officeDocument/2006/math">
-                    <m:oMathParaPr>
-                      <m:jc m:val="centerGroup"/>
-                    </m:oMathParaPr>
-                    <m:oMath xmlns:m="http://schemas.openxmlformats.org/officeDocument/2006/math">
-                      <m:r>
-                        <a:rPr lang="en-US" sz="1200" i="1" dirty="0" err="1" smtClean="0">
-                          <a:latin typeface="Cambria Math" panose="02040503050406030204" pitchFamily="18" charset="0"/>
-                        </a:rPr>
-                        <m:t>+</m:t>
-                      </m:r>
-                    </m:oMath>
-                  </m:oMathPara>
-                </a14:m>
-                <a:endParaRPr lang="en-US" sz="1200" dirty="0"/>
-              </a:p>
-            </p:txBody>
-          </p:sp>
-        </mc:Choice>
-        <mc:Fallback xmlns="">
-          <p:sp>
-            <p:nvSpPr>
-              <p:cNvPr id="55" name="TextBox 54">
-                <a:extLst>
-                  <a:ext uri="{FF2B5EF4-FFF2-40B4-BE49-F238E27FC236}">
-                    <a16:creationId xmlns:a16="http://schemas.microsoft.com/office/drawing/2014/main" id="{77731835-F1D5-DF4A-B219-4603B3F2A782}"/>
-                  </a:ext>
-                </a:extLst>
-              </p:cNvPr>
-              <p:cNvSpPr txBox="1">
-                <a:spLocks noRot="1" noChangeAspect="1" noMove="1" noResize="1" noEditPoints="1" noAdjustHandles="1" noChangeArrowheads="1" noChangeShapeType="1" noTextEdit="1"/>
-              </p:cNvSpPr>
-              <p:nvPr/>
-            </p:nvSpPr>
-            <p:spPr>
-              <a:xfrm>
-                <a:off x="2646297" y="1549084"/>
-                <a:ext cx="150682" cy="184666"/>
-              </a:xfrm>
-              <a:prstGeom prst="rect">
-                <a:avLst/>
-              </a:prstGeom>
-              <a:blipFill>
-                <a:blip r:embed="rId4"/>
-                <a:stretch>
-                  <a:fillRect l="-15385" r="-15385"/>
-                </a:stretch>
-              </a:blipFill>
-            </p:spPr>
-            <p:txBody>
-              <a:bodyPr/>
-              <a:lstStyle/>
-              <a:p>
-                <a:r>
-                  <a:rPr lang="en-US">
-                    <a:noFill/>
-                  </a:rPr>
-                  <a:t> </a:t>
-                </a:r>
-              </a:p>
-            </p:txBody>
-          </p:sp>
-        </mc:Fallback>
-      </mc:AlternateContent>
       <p:sp>
         <p:nvSpPr>
           <p:cNvPr id="27" name="Down Arrow 26">
@@ -5384,7 +5216,7 @@
         </p:nvSpPr>
         <p:spPr>
           <a:xfrm>
-            <a:off x="1755899" y="246983"/>
+            <a:off x="1587087" y="218849"/>
             <a:ext cx="199536" cy="213162"/>
           </a:xfrm>
           <a:prstGeom prst="downArrow">
@@ -5441,7 +5273,7 @@
         </p:nvSpPr>
         <p:spPr>
           <a:xfrm>
-            <a:off x="3627574" y="257818"/>
+            <a:off x="4122595" y="223182"/>
             <a:ext cx="199536" cy="202327"/>
           </a:xfrm>
           <a:prstGeom prst="downArrow">
@@ -5498,7 +5330,7 @@
         </p:nvSpPr>
         <p:spPr>
           <a:xfrm>
-            <a:off x="6048629" y="919686"/>
+            <a:off x="5936093" y="919686"/>
             <a:ext cx="199536" cy="684031"/>
           </a:xfrm>
           <a:prstGeom prst="downArrow">
